--- a/Presentation.pptx
+++ b/Presentation.pptx
@@ -18882,27 +18882,17 @@
             <a:endParaRPr lang="en-US" dirty="0"/>
           </a:p>
           <a:p>
-            <a:r>
-              <a:rPr lang="en-US" b="1" dirty="0"/>
-              <a:t>Hybrid Search Built-in</a:t>
-            </a:r>
-            <a:r>
-              <a:rPr lang="en-US" dirty="0"/>
-              <a:t>: Combines keyword (BM25) + semantic vectors in single query</a:t>
-            </a:r>
-          </a:p>
-          <a:p>
             <a:pPr marL="285750" indent="-285750">
               <a:buFont typeface="Arial" panose="020B0604020202020204" pitchFamily="34" charset="0"/>
               <a:buChar char="•"/>
             </a:pPr>
             <a:r>
               <a:rPr lang="en-US" b="1" dirty="0"/>
-              <a:t>Production-Ready</a:t>
+              <a:t>Hybrid Search Built-in</a:t>
             </a:r>
             <a:r>
               <a:rPr lang="en-US" dirty="0"/>
-              <a:t>: Handles millions of documents with automatic scaling</a:t>
+              <a:t>: Combines keyword (BM25) + semantic vectors in single query</a:t>
             </a:r>
           </a:p>
           <a:p>
@@ -18912,11 +18902,11 @@
             </a:pPr>
             <a:r>
               <a:rPr lang="en-US" b="1" dirty="0"/>
-              <a:t>Reciprocal Rank Fusion (RRF)</a:t>
+              <a:t>Production-Ready</a:t>
             </a:r>
             <a:r>
               <a:rPr lang="en-US" dirty="0"/>
-              <a:t>: Native result merging for hybrid search</a:t>
+              <a:t>: Handles millions of documents with automatic scaling</a:t>
             </a:r>
           </a:p>
           <a:p>
@@ -18926,11 +18916,11 @@
             </a:pPr>
             <a:r>
               <a:rPr lang="en-US" b="1" dirty="0"/>
-              <a:t>No Infrastructure Management</a:t>
+              <a:t>Reciprocal Rank Fusion (RRF)</a:t>
             </a:r>
             <a:r>
               <a:rPr lang="en-US" dirty="0"/>
-              <a:t>: Fully managed service</a:t>
+              <a:t>: Native result merging for hybrid search</a:t>
             </a:r>
           </a:p>
           <a:p>
@@ -18940,11 +18930,11 @@
             </a:pPr>
             <a:r>
               <a:rPr lang="en-US" b="1" dirty="0"/>
-              <a:t>Security Features</a:t>
+              <a:t>No Infrastructure Management</a:t>
             </a:r>
             <a:r>
               <a:rPr lang="en-US" dirty="0"/>
-              <a:t>: Built-in authentication, encryption, compliance</a:t>
+              <a:t>: Fully managed service</a:t>
             </a:r>
           </a:p>
           <a:p>
@@ -18954,9 +18944,12 @@
             </a:pPr>
             <a:r>
               <a:rPr lang="en-US" b="1" dirty="0"/>
-              <a:t>Trade-off:</a:t>
-            </a:r>
-            <a:endParaRPr lang="en-US" dirty="0"/>
+              <a:t>Security Features</a:t>
+            </a:r>
+            <a:r>
+              <a:rPr lang="en-US" dirty="0"/>
+              <a:t>: Built-in authentication, encryption, compliance</a:t>
+            </a:r>
           </a:p>
           <a:p>
             <a:pPr marL="285750" indent="-285750">
@@ -18964,12 +18957,23 @@
               <a:buChar char="•"/>
             </a:pPr>
             <a:r>
+              <a:rPr lang="en-US" b="1" dirty="0"/>
+              <a:t>Trade-off:</a:t>
+            </a:r>
+            <a:endParaRPr lang="en-US" dirty="0"/>
+          </a:p>
+          <a:p>
+            <a:pPr marL="742950" lvl="1" indent="-285750">
+              <a:buFont typeface="Arial" panose="020B0604020202020204" pitchFamily="34" charset="0"/>
+              <a:buChar char="•"/>
+            </a:pPr>
+            <a:r>
               <a:rPr lang="en-US" dirty="0"/>
               <a:t>Cost: ~$75-300/month vs free local vector stores</a:t>
             </a:r>
           </a:p>
           <a:p>
-            <a:pPr marL="285750" indent="-285750">
+            <a:pPr marL="742950" lvl="1" indent="-285750">
               <a:buFont typeface="Arial" panose="020B0604020202020204" pitchFamily="34" charset="0"/>
               <a:buChar char="•"/>
             </a:pPr>
@@ -20507,23 +20511,12 @@
 </file>
 
 <file path=customXml/item1.xml><?xml version="1.0" encoding="utf-8"?>
-<p:properties xmlns:p="http://schemas.microsoft.com/office/2006/metadata/properties" xmlns:xsi="http://www.w3.org/2001/XMLSchema-instance" xmlns:pc="http://schemas.microsoft.com/office/infopath/2007/PartnerControls">
-  <documentManagement>
-    <_ip_UnifiedCompliancePolicyUIAction xmlns="http://schemas.microsoft.com/sharepoint/v3" xsi:nil="true"/>
-    <Image xmlns="71af3243-3dd4-4a8d-8c0d-dd76da1f02a5">
-      <Url xsi:nil="true"/>
-      <Description xsi:nil="true"/>
-    </Image>
-    <Status xmlns="71af3243-3dd4-4a8d-8c0d-dd76da1f02a5">Not started</Status>
-    <Background xmlns="71af3243-3dd4-4a8d-8c0d-dd76da1f02a5">false</Background>
-    <_ip_UnifiedCompliancePolicyProperties xmlns="http://schemas.microsoft.com/sharepoint/v3" xsi:nil="true"/>
-    <ImageTagsTaxHTField xmlns="71af3243-3dd4-4a8d-8c0d-dd76da1f02a5">
-      <Terms xmlns="http://schemas.microsoft.com/office/infopath/2007/PartnerControls"/>
-    </ImageTagsTaxHTField>
-    <TaxCatchAll xmlns="230e9df3-be65-4c73-a93b-d1236ebd677e" xsi:nil="true"/>
-    <MediaServiceKeyPoints xmlns="71af3243-3dd4-4a8d-8c0d-dd76da1f02a5" xsi:nil="true"/>
-  </documentManagement>
-</p:properties>
+<?mso-contentType ?>
+<FormTemplates xmlns="http://schemas.microsoft.com/sharepoint/v3/contenttype/forms">
+  <Display>DocumentLibraryForm</Display>
+  <Edit>DocumentLibraryForm</Edit>
+  <New>DocumentLibraryForm</New>
+</FormTemplates>
 </file>
 
 <file path=customXml/item2.xml><?xml version="1.0" encoding="utf-8"?>
@@ -20833,22 +20826,29 @@
 </file>
 
 <file path=customXml/item3.xml><?xml version="1.0" encoding="utf-8"?>
-<?mso-contentType ?>
-<FormTemplates xmlns="http://schemas.microsoft.com/sharepoint/v3/contenttype/forms">
-  <Display>DocumentLibraryForm</Display>
-  <Edit>DocumentLibraryForm</Edit>
-  <New>DocumentLibraryForm</New>
-</FormTemplates>
+<p:properties xmlns:p="http://schemas.microsoft.com/office/2006/metadata/properties" xmlns:xsi="http://www.w3.org/2001/XMLSchema-instance" xmlns:pc="http://schemas.microsoft.com/office/infopath/2007/PartnerControls">
+  <documentManagement>
+    <_ip_UnifiedCompliancePolicyUIAction xmlns="http://schemas.microsoft.com/sharepoint/v3" xsi:nil="true"/>
+    <Image xmlns="71af3243-3dd4-4a8d-8c0d-dd76da1f02a5">
+      <Url xsi:nil="true"/>
+      <Description xsi:nil="true"/>
+    </Image>
+    <Status xmlns="71af3243-3dd4-4a8d-8c0d-dd76da1f02a5">Not started</Status>
+    <Background xmlns="71af3243-3dd4-4a8d-8c0d-dd76da1f02a5">false</Background>
+    <_ip_UnifiedCompliancePolicyProperties xmlns="http://schemas.microsoft.com/sharepoint/v3" xsi:nil="true"/>
+    <ImageTagsTaxHTField xmlns="71af3243-3dd4-4a8d-8c0d-dd76da1f02a5">
+      <Terms xmlns="http://schemas.microsoft.com/office/infopath/2007/PartnerControls"/>
+    </ImageTagsTaxHTField>
+    <TaxCatchAll xmlns="230e9df3-be65-4c73-a93b-d1236ebd677e" xsi:nil="true"/>
+    <MediaServiceKeyPoints xmlns="71af3243-3dd4-4a8d-8c0d-dd76da1f02a5" xsi:nil="true"/>
+  </documentManagement>
+</p:properties>
 </file>
 
 <file path=customXml/itemProps1.xml><?xml version="1.0" encoding="utf-8"?>
-<ds:datastoreItem xmlns:ds="http://schemas.openxmlformats.org/officeDocument/2006/customXml" ds:itemID="{BEFFFA3F-0FB5-4ED3-8906-A15B16577F44}">
+<ds:datastoreItem xmlns:ds="http://schemas.openxmlformats.org/officeDocument/2006/customXml" ds:itemID="{6966C46A-DC57-4209-80CD-9FE6C93151FF}">
   <ds:schemaRefs>
-    <ds:schemaRef ds:uri="http://schemas.microsoft.com/office/2006/metadata/properties"/>
-    <ds:schemaRef ds:uri="http://schemas.microsoft.com/office/infopath/2007/PartnerControls"/>
-    <ds:schemaRef ds:uri="http://schemas.microsoft.com/sharepoint/v3"/>
-    <ds:schemaRef ds:uri="71af3243-3dd4-4a8d-8c0d-dd76da1f02a5"/>
-    <ds:schemaRef ds:uri="230e9df3-be65-4c73-a93b-d1236ebd677e"/>
+    <ds:schemaRef ds:uri="http://schemas.microsoft.com/sharepoint/v3/contenttype/forms"/>
   </ds:schemaRefs>
 </ds:datastoreItem>
 </file>
@@ -20875,9 +20875,13 @@
 </file>
 
 <file path=customXml/itemProps3.xml><?xml version="1.0" encoding="utf-8"?>
-<ds:datastoreItem xmlns:ds="http://schemas.openxmlformats.org/officeDocument/2006/customXml" ds:itemID="{6966C46A-DC57-4209-80CD-9FE6C93151FF}">
+<ds:datastoreItem xmlns:ds="http://schemas.openxmlformats.org/officeDocument/2006/customXml" ds:itemID="{BEFFFA3F-0FB5-4ED3-8906-A15B16577F44}">
   <ds:schemaRefs>
-    <ds:schemaRef ds:uri="http://schemas.microsoft.com/sharepoint/v3/contenttype/forms"/>
+    <ds:schemaRef ds:uri="http://schemas.microsoft.com/office/2006/metadata/properties"/>
+    <ds:schemaRef ds:uri="http://schemas.microsoft.com/office/infopath/2007/PartnerControls"/>
+    <ds:schemaRef ds:uri="http://schemas.microsoft.com/sharepoint/v3"/>
+    <ds:schemaRef ds:uri="71af3243-3dd4-4a8d-8c0d-dd76da1f02a5"/>
+    <ds:schemaRef ds:uri="230e9df3-be65-4c73-a93b-d1236ebd677e"/>
   </ds:schemaRefs>
 </ds:datastoreItem>
 </file>
